--- a/Week06/week06-slides.pptx
+++ b/Week06/week06-slides.pptx
@@ -11,14 +11,16 @@
     <p:sldId id="261" r:id="rId6"/>
     <p:sldId id="289" r:id="rId7"/>
     <p:sldId id="267" r:id="rId8"/>
-    <p:sldId id="263" r:id="rId9"/>
-    <p:sldId id="288" r:id="rId10"/>
-    <p:sldId id="290" r:id="rId11"/>
-    <p:sldId id="268" r:id="rId12"/>
-    <p:sldId id="281" r:id="rId13"/>
-    <p:sldId id="285" r:id="rId14"/>
-    <p:sldId id="291" r:id="rId15"/>
-    <p:sldId id="269" r:id="rId16"/>
+    <p:sldId id="299" r:id="rId9"/>
+    <p:sldId id="263" r:id="rId10"/>
+    <p:sldId id="308" r:id="rId11"/>
+    <p:sldId id="309" r:id="rId12"/>
+    <p:sldId id="290" r:id="rId13"/>
+    <p:sldId id="268" r:id="rId14"/>
+    <p:sldId id="281" r:id="rId15"/>
+    <p:sldId id="285" r:id="rId16"/>
+    <p:sldId id="291" r:id="rId17"/>
+    <p:sldId id="269" r:id="rId18"/>
   </p:sldIdLst>
   <p:sldSz cx="12192000" cy="6858000"/>
   <p:notesSz cx="6858000" cy="9144000"/>
@@ -4461,69 +4463,51 @@
         <p:cNvGrpSpPr/>
         <p:nvPr/>
       </p:nvGrpSpPr>
-      <p:grpSpPr>
-        <a:xfrm>
-          <a:off x="0" y="0"/>
-          <a:ext cx="0" cy="0"/>
-          <a:chOff x="0" y="0"/>
-          <a:chExt cx="0" cy="0"/>
-        </a:xfrm>
-      </p:grpSpPr>
-      <p:sp>
-        <p:nvSpPr>
-          <p:cNvPr id="2" name="标题 1"/>
-          <p:cNvSpPr>
-            <a:spLocks noGrp="1"/>
-          </p:cNvSpPr>
-          <p:nvPr>
-            <p:ph type="ctrTitle"/>
+      <p:grpSpPr/>
+      <p:sp>
+        <p:nvSpPr>
+          <p:cNvPr id="2" name="Title 1"/>
+          <p:cNvSpPr>
+            <a:spLocks noGrp="1"/>
+          </p:cNvSpPr>
+          <p:nvPr>
+            <p:ph type="title"/>
           </p:nvPr>
         </p:nvSpPr>
         <p:spPr/>
         <p:txBody>
           <a:bodyPr/>
-          <a:lstStyle/>
-          <a:p>
-            <a:r>
-              <a:rPr kumimoji="1" lang="en-US" altLang="zh-CN" dirty="0"/>
-              <a:t>Problem3</a:t>
-            </a:r>
-            <a:br>
-              <a:rPr kumimoji="1" lang="en-US" altLang="zh-CN" dirty="0"/>
-            </a:br>
-            <a:endParaRPr kumimoji="1" lang="zh-CN" altLang="en-US" sz="3600" dirty="0"/>
-          </a:p>
-        </p:txBody>
-      </p:sp>
-      <p:sp>
-        <p:nvSpPr>
-          <p:cNvPr id="3" name="Text Box 2"/>
-          <p:cNvSpPr txBox="1"/>
-          <p:nvPr/>
-        </p:nvSpPr>
-        <p:spPr>
-          <a:xfrm>
-            <a:off x="786130" y="4016375"/>
-            <a:ext cx="7282815" cy="1753235"/>
+          <a:p>
+            <a:endParaRPr lang="en-US"/>
+          </a:p>
+        </p:txBody>
+      </p:sp>
+      <p:pic>
+        <p:nvPicPr>
+          <p:cNvPr id="4" name="Content Placeholder 3"/>
+          <p:cNvPicPr>
+            <a:picLocks noChangeAspect="1"/>
+          </p:cNvPicPr>
+          <p:nvPr>
+            <p:ph idx="1"/>
+          </p:nvPr>
+        </p:nvPicPr>
+        <p:blipFill>
+          <a:blip r:embed="rId1"/>
+          <a:stretch>
+            <a:fillRect/>
+          </a:stretch>
+        </p:blipFill>
+        <p:spPr>
+          <a:xfrm>
+            <a:off x="97790" y="51435"/>
+            <a:ext cx="10535285" cy="6654165"/>
           </a:xfrm>
           <a:prstGeom prst="rect">
             <a:avLst/>
           </a:prstGeom>
-          <a:noFill/>
-        </p:spPr>
-        <p:txBody>
-          <a:bodyPr wrap="square" rtlCol="0" anchor="t">
-            <a:spAutoFit/>
-          </a:bodyPr>
-          <a:p>
-            <a:r>
-              <a:rPr lang="en-US"/>
-              <a:t>Using Portfolio.csv and DailyPrices.csv. Assume the expected return on all stocks is 0. This file contains the stock holdings of 3 portfolios. You own each of these portfolios. Calculate the VaR of each portfolio as well as your total VaR (VaR of the total holdings). Discuss your methods, why you chose those methods, and your results.</a:t>
-            </a:r>
-            <a:endParaRPr lang="en-US"/>
-          </a:p>
-        </p:txBody>
-      </p:sp>
+        </p:spPr>
+      </p:pic>
     </p:spTree>
   </p:cSld>
   <p:clrMapOvr>
@@ -4541,6 +4525,164 @@
         <p:cNvGrpSpPr/>
         <p:nvPr/>
       </p:nvGrpSpPr>
+      <p:grpSpPr>
+        <a:xfrm>
+          <a:off x="0" y="0"/>
+          <a:ext cx="0" cy="0"/>
+          <a:chOff x="0" y="0"/>
+          <a:chExt cx="0" cy="0"/>
+        </a:xfrm>
+      </p:grpSpPr>
+      <p:sp>
+        <p:nvSpPr>
+          <p:cNvPr id="2" name="标题 1"/>
+          <p:cNvSpPr>
+            <a:spLocks noGrp="1"/>
+          </p:cNvSpPr>
+          <p:nvPr>
+            <p:ph type="title"/>
+          </p:nvPr>
+        </p:nvSpPr>
+        <p:spPr/>
+        <p:txBody>
+          <a:bodyPr/>
+          <a:lstStyle/>
+          <a:p>
+            <a:r>
+              <a:rPr kumimoji="1" lang="zh-CN" altLang="en-US">
+                <a:sym typeface="+mn-ea"/>
+              </a:rPr>
+              <a:t>Conclusion</a:t>
+            </a:r>
+            <a:endParaRPr kumimoji="1" lang="en-US" altLang="zh-CN">
+              <a:sym typeface="+mn-ea"/>
+            </a:endParaRPr>
+          </a:p>
+        </p:txBody>
+      </p:sp>
+      <p:pic>
+        <p:nvPicPr>
+          <p:cNvPr id="5" name="Content Placeholder 4"/>
+          <p:cNvPicPr>
+            <a:picLocks noChangeAspect="1"/>
+          </p:cNvPicPr>
+          <p:nvPr>
+            <p:ph idx="1"/>
+          </p:nvPr>
+        </p:nvPicPr>
+        <p:blipFill>
+          <a:blip r:embed="rId1"/>
+          <a:stretch>
+            <a:fillRect/>
+          </a:stretch>
+        </p:blipFill>
+        <p:spPr>
+          <a:xfrm>
+            <a:off x="307975" y="1842770"/>
+            <a:ext cx="11744960" cy="2294890"/>
+          </a:xfrm>
+          <a:prstGeom prst="rect">
+            <a:avLst/>
+          </a:prstGeom>
+        </p:spPr>
+      </p:pic>
+    </p:spTree>
+  </p:cSld>
+  <p:clrMapOvr>
+    <a:masterClrMapping/>
+  </p:clrMapOvr>
+</p:sld>
+</file>
+
+<file path=ppt/slides/slide12.xml><?xml version="1.0" encoding="utf-8"?>
+<p:sld xmlns:a="http://schemas.openxmlformats.org/drawingml/2006/main" xmlns:r="http://schemas.openxmlformats.org/officeDocument/2006/relationships" xmlns:p="http://schemas.openxmlformats.org/presentationml/2006/main">
+  <p:cSld>
+    <p:spTree>
+      <p:nvGrpSpPr>
+        <p:cNvPr id="1" name=""/>
+        <p:cNvGrpSpPr/>
+        <p:nvPr/>
+      </p:nvGrpSpPr>
+      <p:grpSpPr>
+        <a:xfrm>
+          <a:off x="0" y="0"/>
+          <a:ext cx="0" cy="0"/>
+          <a:chOff x="0" y="0"/>
+          <a:chExt cx="0" cy="0"/>
+        </a:xfrm>
+      </p:grpSpPr>
+      <p:sp>
+        <p:nvSpPr>
+          <p:cNvPr id="2" name="标题 1"/>
+          <p:cNvSpPr>
+            <a:spLocks noGrp="1"/>
+          </p:cNvSpPr>
+          <p:nvPr>
+            <p:ph type="ctrTitle"/>
+          </p:nvPr>
+        </p:nvSpPr>
+        <p:spPr/>
+        <p:txBody>
+          <a:bodyPr/>
+          <a:lstStyle/>
+          <a:p>
+            <a:r>
+              <a:rPr kumimoji="1" lang="en-US" altLang="zh-CN" dirty="0"/>
+              <a:t>Problem3</a:t>
+            </a:r>
+            <a:br>
+              <a:rPr kumimoji="1" lang="en-US" altLang="zh-CN" dirty="0"/>
+            </a:br>
+            <a:endParaRPr kumimoji="1" lang="zh-CN" altLang="en-US" sz="3600" dirty="0"/>
+          </a:p>
+        </p:txBody>
+      </p:sp>
+      <p:sp>
+        <p:nvSpPr>
+          <p:cNvPr id="3" name="Text Box 2"/>
+          <p:cNvSpPr txBox="1"/>
+          <p:nvPr/>
+        </p:nvSpPr>
+        <p:spPr>
+          <a:xfrm>
+            <a:off x="786130" y="4016375"/>
+            <a:ext cx="7282815" cy="1753235"/>
+          </a:xfrm>
+          <a:prstGeom prst="rect">
+            <a:avLst/>
+          </a:prstGeom>
+          <a:noFill/>
+        </p:spPr>
+        <p:txBody>
+          <a:bodyPr wrap="square" rtlCol="0" anchor="t">
+            <a:spAutoFit/>
+          </a:bodyPr>
+          <a:p>
+            <a:r>
+              <a:rPr lang="en-US"/>
+              <a:t>Using Portfolio.csv and DailyPrices.csv. Assume the expected return on all stocks is 0. This file contains the stock holdings of 3 portfolios. You own each of these portfolios. Calculate the VaR of each portfolio as well as your total VaR (VaR of the total holdings). Discuss your methods, why you chose those methods, and your results.</a:t>
+            </a:r>
+            <a:endParaRPr lang="en-US"/>
+          </a:p>
+        </p:txBody>
+      </p:sp>
+    </p:spTree>
+  </p:cSld>
+  <p:clrMapOvr>
+    <a:masterClrMapping/>
+  </p:clrMapOvr>
+</p:sld>
+</file>
+
+<file path=ppt/slides/slide13.xml><?xml version="1.0" encoding="utf-8"?>
+<p:sld xmlns:a="http://schemas.openxmlformats.org/drawingml/2006/main" xmlns:r="http://schemas.openxmlformats.org/officeDocument/2006/relationships" xmlns:p="http://schemas.openxmlformats.org/presentationml/2006/main">
+  <p:cSld>
+    <p:spTree>
+      <p:nvGrpSpPr>
+        <p:cNvPr id="1" name=""/>
+        <p:cNvGrpSpPr/>
+        <p:nvPr/>
+      </p:nvGrpSpPr>
       <p:grpSpPr/>
       <p:sp>
         <p:nvSpPr>
@@ -4608,7 +4750,7 @@
 </p:sld>
 </file>
 
-<file path=ppt/slides/slide12.xml><?xml version="1.0" encoding="utf-8"?>
+<file path=ppt/slides/slide14.xml><?xml version="1.0" encoding="utf-8"?>
 <p:sld xmlns:a="http://schemas.openxmlformats.org/drawingml/2006/main" xmlns:r="http://schemas.openxmlformats.org/officeDocument/2006/relationships" xmlns:p="http://schemas.openxmlformats.org/presentationml/2006/main">
   <p:cSld>
     <p:spTree>
@@ -4674,7 +4816,7 @@
 </p:sld>
 </file>
 
-<file path=ppt/slides/slide13.xml><?xml version="1.0" encoding="utf-8"?>
+<file path=ppt/slides/slide15.xml><?xml version="1.0" encoding="utf-8"?>
 <p:sld xmlns:a="http://schemas.openxmlformats.org/drawingml/2006/main" xmlns:r="http://schemas.openxmlformats.org/officeDocument/2006/relationships" xmlns:p="http://schemas.openxmlformats.org/presentationml/2006/main">
   <p:cSld>
     <p:spTree>
@@ -4740,7 +4882,7 @@
 </p:sld>
 </file>
 
-<file path=ppt/slides/slide14.xml><?xml version="1.0" encoding="utf-8"?>
+<file path=ppt/slides/slide16.xml><?xml version="1.0" encoding="utf-8"?>
 <p:sld xmlns:a="http://schemas.openxmlformats.org/drawingml/2006/main" xmlns:r="http://schemas.openxmlformats.org/officeDocument/2006/relationships" xmlns:p="http://schemas.openxmlformats.org/presentationml/2006/main">
   <p:cSld>
     <p:spTree>
@@ -4948,46 +5090,6 @@
           <a:p>
             <a:pPr algn="ctr"/>
             <a:endParaRPr lang="en-US"/>
-          </a:p>
-        </p:txBody>
-      </p:sp>
-      <p:sp>
-        <p:nvSpPr>
-          <p:cNvPr id="3" name="内容占位符 2"/>
-          <p:cNvSpPr>
-            <a:spLocks noGrp="1"/>
-          </p:cNvSpPr>
-          <p:nvPr>
-            <p:ph idx="1"/>
-          </p:nvPr>
-        </p:nvSpPr>
-        <p:spPr>
-          <a:xfrm>
-            <a:off x="888470" y="541778"/>
-            <a:ext cx="9860090" cy="3488445"/>
-          </a:xfrm>
-        </p:spPr>
-        <p:txBody>
-          <a:bodyPr>
-            <a:normAutofit/>
-          </a:bodyPr>
-          <a:lstStyle/>
-          <a:p>
-            <a:r>
-              <a:rPr kumimoji="1" lang="en-US" altLang="zh-CN" sz="3600" dirty="0"/>
-              <a:t>Problem1:</a:t>
-            </a:r>
-            <a:endParaRPr kumimoji="1" lang="en-US" altLang="zh-CN" sz="3600" dirty="0"/>
-          </a:p>
-          <a:p>
-            <a:pPr marL="0" indent="0">
-              <a:buNone/>
-            </a:pPr>
-            <a:r>
-              <a:rPr kumimoji="1" lang="en-US" altLang="zh-CN" sz="1800" dirty="0"/>
-              <a:t>Calculate and compare the expected value and standard deviation of price at time  𝑡(𝑃𝑡)  , given each of the 3 types of price returns, assuming 𝑟 ~  𝑁(0,𝜎2)  . Simulate each return equation using  𝑟𝑡∼𝑁(0,𝜎2)  and show the mean and standard deviation match your expectations.</a:t>
-            </a:r>
-            <a:endParaRPr kumimoji="1" lang="en-US" altLang="zh-CN" sz="1800" dirty="0"/>
           </a:p>
         </p:txBody>
       </p:sp>
@@ -5082,7 +5184,7 @@
       </p:grpSp>
       <p:pic>
         <p:nvPicPr>
-          <p:cNvPr id="4" name="Picture 3"/>
+          <p:cNvPr id="2" name="Picture 1"/>
           <p:cNvPicPr>
             <a:picLocks noChangeAspect="1"/>
           </p:cNvPicPr>
@@ -5096,8 +5198,8 @@
         </p:blipFill>
         <p:spPr>
           <a:xfrm>
-            <a:off x="776605" y="2247900"/>
-            <a:ext cx="9449435" cy="4610100"/>
+            <a:off x="334010" y="777875"/>
+            <a:ext cx="8242935" cy="3784600"/>
           </a:xfrm>
           <a:prstGeom prst="rect">
             <a:avLst/>
@@ -5485,15 +5587,33 @@
           </a:p>
         </p:txBody>
       </p:sp>
+      <p:sp>
+        <p:nvSpPr>
+          <p:cNvPr id="2" name="Content Placeholder 1"/>
+          <p:cNvSpPr/>
+          <p:nvPr>
+            <p:ph idx="1"/>
+          </p:nvPr>
+        </p:nvSpPr>
+        <p:spPr/>
+        <p:txBody>
+          <a:bodyPr/>
+          <a:p>
+            <a:r>
+              <a:rPr lang="en-US"/>
+              <a:t> </a:t>
+            </a:r>
+            <a:endParaRPr lang="en-US"/>
+          </a:p>
+        </p:txBody>
+      </p:sp>
       <p:pic>
         <p:nvPicPr>
-          <p:cNvPr id="7" name="Content Placeholder 6"/>
+          <p:cNvPr id="3" name="Picture 2"/>
           <p:cNvPicPr>
             <a:picLocks noChangeAspect="1"/>
           </p:cNvPicPr>
-          <p:nvPr>
-            <p:ph idx="1"/>
-          </p:nvPr>
+          <p:nvPr/>
         </p:nvPicPr>
         <p:blipFill>
           <a:blip r:embed="rId4"/>
@@ -5503,8 +5623,8 @@
         </p:blipFill>
         <p:spPr>
           <a:xfrm>
-            <a:off x="565150" y="47625"/>
-            <a:ext cx="9430385" cy="2338705"/>
+            <a:off x="380365" y="0"/>
+            <a:ext cx="6858635" cy="1854200"/>
           </a:xfrm>
           <a:prstGeom prst="rect">
             <a:avLst/>
@@ -5513,7 +5633,7 @@
       </p:pic>
       <p:pic>
         <p:nvPicPr>
-          <p:cNvPr id="8" name="Picture 7"/>
+          <p:cNvPr id="4" name="Picture 3"/>
           <p:cNvPicPr>
             <a:picLocks noChangeAspect="1"/>
           </p:cNvPicPr>
@@ -5527,8 +5647,8 @@
         </p:blipFill>
         <p:spPr>
           <a:xfrm>
-            <a:off x="565150" y="2290445"/>
-            <a:ext cx="9356090" cy="2289175"/>
+            <a:off x="255905" y="2224405"/>
+            <a:ext cx="4953000" cy="3289300"/>
           </a:xfrm>
           <a:prstGeom prst="rect">
             <a:avLst/>
@@ -5537,7 +5657,7 @@
       </p:pic>
       <p:pic>
         <p:nvPicPr>
-          <p:cNvPr id="9" name="Picture 8"/>
+          <p:cNvPr id="5" name="Picture 4"/>
           <p:cNvPicPr>
             <a:picLocks noChangeAspect="1"/>
           </p:cNvPicPr>
@@ -5551,8 +5671,32 @@
         </p:blipFill>
         <p:spPr>
           <a:xfrm>
-            <a:off x="565150" y="4579620"/>
-            <a:ext cx="9425305" cy="2278380"/>
+            <a:off x="6167120" y="2484120"/>
+            <a:ext cx="2781300" cy="3149600"/>
+          </a:xfrm>
+          <a:prstGeom prst="rect">
+            <a:avLst/>
+          </a:prstGeom>
+        </p:spPr>
+      </p:pic>
+      <p:pic>
+        <p:nvPicPr>
+          <p:cNvPr id="6" name="Content Placeholder 2"/>
+          <p:cNvPicPr>
+            <a:picLocks noChangeAspect="1"/>
+          </p:cNvPicPr>
+          <p:nvPr/>
+        </p:nvPicPr>
+        <p:blipFill>
+          <a:blip r:embed="rId7"/>
+          <a:stretch>
+            <a:fillRect/>
+          </a:stretch>
+        </p:blipFill>
+        <p:spPr>
+          <a:xfrm>
+            <a:off x="380365" y="5716905"/>
+            <a:ext cx="10058400" cy="941070"/>
           </a:xfrm>
           <a:prstGeom prst="rect">
             <a:avLst/>
@@ -5594,7 +5738,7 @@
         </p:nvSpPr>
         <p:spPr>
           <a:xfrm>
-            <a:off x="0" y="0"/>
+            <a:off x="-261620" y="-628015"/>
             <a:ext cx="12192000" cy="6858000"/>
           </a:xfrm>
           <a:prstGeom prst="rect">
@@ -5942,7 +6086,7 @@
       </p:sp>
       <p:pic>
         <p:nvPicPr>
-          <p:cNvPr id="4" name="Content Placeholder 3"/>
+          <p:cNvPr id="6" name="Content Placeholder 5"/>
           <p:cNvPicPr>
             <a:picLocks noChangeAspect="1"/>
           </p:cNvPicPr>
@@ -5958,8 +6102,32 @@
         </p:blipFill>
         <p:spPr>
           <a:xfrm>
-            <a:off x="824865" y="1218565"/>
-            <a:ext cx="9758045" cy="2444750"/>
+            <a:off x="166370" y="179070"/>
+            <a:ext cx="10058400" cy="2396490"/>
+          </a:xfrm>
+          <a:prstGeom prst="rect">
+            <a:avLst/>
+          </a:prstGeom>
+        </p:spPr>
+      </p:pic>
+      <p:pic>
+        <p:nvPicPr>
+          <p:cNvPr id="7" name="Picture 6"/>
+          <p:cNvPicPr>
+            <a:picLocks noChangeAspect="1"/>
+          </p:cNvPicPr>
+          <p:nvPr/>
+        </p:nvPicPr>
+        <p:blipFill>
+          <a:blip r:embed="rId5"/>
+          <a:stretch>
+            <a:fillRect/>
+          </a:stretch>
+        </p:blipFill>
+        <p:spPr>
+          <a:xfrm>
+            <a:off x="-139700" y="2623185"/>
+            <a:ext cx="7265035" cy="4064000"/>
           </a:xfrm>
           <a:prstGeom prst="rect">
             <a:avLst/>
@@ -6016,50 +6184,32 @@
           </a:p>
         </p:txBody>
       </p:sp>
-      <p:sp>
-        <p:nvSpPr>
-          <p:cNvPr id="3" name="内容占位符 2"/>
-          <p:cNvSpPr>
-            <a:spLocks noGrp="1"/>
-          </p:cNvSpPr>
+      <p:pic>
+        <p:nvPicPr>
+          <p:cNvPr id="5" name="Content Placeholder 4"/>
+          <p:cNvPicPr>
+            <a:picLocks noChangeAspect="1"/>
+          </p:cNvPicPr>
           <p:nvPr>
             <p:ph idx="1"/>
           </p:nvPr>
-        </p:nvSpPr>
-        <p:spPr>
-          <a:xfrm>
-            <a:off x="1069848" y="2094103"/>
-            <a:ext cx="10058400" cy="4050792"/>
-          </a:xfrm>
-        </p:spPr>
-        <p:txBody>
-          <a:bodyPr/>
-          <a:lstStyle/>
-          <a:p>
-            <a:endParaRPr kumimoji="1" lang="zh-CN" altLang="en-US"/>
-          </a:p>
-          <a:p>
-            <a:r>
-              <a:rPr kumimoji="1" lang="zh-CN" altLang="en-US"/>
-              <a:t>At known moments, the future stock prices is only relevant to the present moment's price.</a:t>
-            </a:r>
-            <a:endParaRPr kumimoji="1" lang="zh-CN" altLang="en-US"/>
-          </a:p>
-          <a:p>
-            <a:endParaRPr kumimoji="1" lang="zh-CN" altLang="en-US"/>
-          </a:p>
-          <a:p>
-            <a:r>
-              <a:rPr kumimoji="1" lang="zh-CN" altLang="en-US"/>
-              <a:t>The mean of the stock price at time T in the future is normal distribution when applying the Classical Brownian Motion, but lognormally distributed when applying the Arithmetic and Geometric Brownian Motion. The price volatility at time T will accumulate over time at a speed of square root of T.</a:t>
-            </a:r>
-            <a:endParaRPr kumimoji="1" lang="zh-CN" altLang="en-US"/>
-          </a:p>
-          <a:p>
-            <a:endParaRPr kumimoji="1" lang="zh-CN" altLang="en-US"/>
-          </a:p>
-        </p:txBody>
-      </p:sp>
+        </p:nvPicPr>
+        <p:blipFill>
+          <a:blip r:embed="rId1"/>
+          <a:stretch>
+            <a:fillRect/>
+          </a:stretch>
+        </p:blipFill>
+        <p:spPr>
+          <a:xfrm>
+            <a:off x="404495" y="1970405"/>
+            <a:ext cx="11546205" cy="1749425"/>
+          </a:xfrm>
+          <a:prstGeom prst="rect">
+            <a:avLst/>
+          </a:prstGeom>
+        </p:spPr>
+      </p:pic>
     </p:spTree>
   </p:cSld>
   <p:clrMapOvr>
@@ -6102,7 +6252,7 @@
           <a:p>
             <a:r>
               <a:rPr kumimoji="1" lang="en-US" altLang="zh-CN" dirty="0"/>
-              <a:t>Problem2</a:t>
+              <a:t>Problem3</a:t>
             </a:r>
             <a:br>
               <a:rPr kumimoji="1" lang="en-US" altLang="zh-CN" dirty="0"/>
@@ -6132,7 +6282,7 @@
       </p:sp>
       <p:pic>
         <p:nvPicPr>
-          <p:cNvPr id="4" name="Picture 3"/>
+          <p:cNvPr id="5" name="Picture 4"/>
           <p:cNvPicPr>
             <a:picLocks noChangeAspect="1"/>
           </p:cNvPicPr>
@@ -6146,8 +6296,8 @@
         </p:blipFill>
         <p:spPr>
           <a:xfrm>
-            <a:off x="0" y="3138170"/>
-            <a:ext cx="12192000" cy="3572510"/>
+            <a:off x="0" y="3197225"/>
+            <a:ext cx="12192000" cy="2158365"/>
           </a:xfrm>
           <a:prstGeom prst="rect">
             <a:avLst/>
@@ -6171,17 +6321,28 @@
         <p:cNvGrpSpPr/>
         <p:nvPr/>
       </p:nvGrpSpPr>
-      <p:grpSpPr>
-        <a:xfrm>
-          <a:off x="0" y="0"/>
-          <a:ext cx="0" cy="0"/>
-          <a:chOff x="0" y="0"/>
-          <a:chExt cx="0" cy="0"/>
-        </a:xfrm>
-      </p:grpSpPr>
+      <p:grpSpPr/>
+      <p:sp>
+        <p:nvSpPr>
+          <p:cNvPr id="2" name="Title 1"/>
+          <p:cNvSpPr>
+            <a:spLocks noGrp="1"/>
+          </p:cNvSpPr>
+          <p:nvPr>
+            <p:ph type="title"/>
+          </p:nvPr>
+        </p:nvSpPr>
+        <p:spPr/>
+        <p:txBody>
+          <a:bodyPr/>
+          <a:p>
+            <a:endParaRPr lang="en-US"/>
+          </a:p>
+        </p:txBody>
+      </p:sp>
       <p:pic>
         <p:nvPicPr>
-          <p:cNvPr id="5" name="Content Placeholder 4"/>
+          <p:cNvPr id="4" name="Content Placeholder 3"/>
           <p:cNvPicPr>
             <a:picLocks noChangeAspect="1"/>
           </p:cNvPicPr>
@@ -6197,63 +6358,14 @@
         </p:blipFill>
         <p:spPr>
           <a:xfrm>
-            <a:off x="572135" y="3204210"/>
-            <a:ext cx="10058400" cy="3143885"/>
+            <a:off x="502285" y="327660"/>
+            <a:ext cx="9537065" cy="5695315"/>
           </a:xfrm>
           <a:prstGeom prst="rect">
             <a:avLst/>
           </a:prstGeom>
         </p:spPr>
       </p:pic>
-      <p:sp>
-        <p:nvSpPr>
-          <p:cNvPr id="7" name="Text Box 6"/>
-          <p:cNvSpPr txBox="1"/>
-          <p:nvPr/>
-        </p:nvSpPr>
-        <p:spPr>
-          <a:xfrm>
-            <a:off x="912495" y="2005330"/>
-            <a:ext cx="6471285" cy="645160"/>
-          </a:xfrm>
-          <a:prstGeom prst="rect">
-            <a:avLst/>
-          </a:prstGeom>
-          <a:noFill/>
-        </p:spPr>
-        <p:txBody>
-          <a:bodyPr wrap="square" rtlCol="0" anchor="t">
-            <a:spAutoFit/>
-          </a:bodyPr>
-          <a:p>
-            <a:r>
-              <a:rPr lang="en-US"/>
-              <a:t># Discuss the ability of these models to describe the risk in this stock.</a:t>
-            </a:r>
-            <a:endParaRPr lang="en-US"/>
-          </a:p>
-        </p:txBody>
-      </p:sp>
-      <p:sp>
-        <p:nvSpPr>
-          <p:cNvPr id="8" name="Title 7"/>
-          <p:cNvSpPr/>
-          <p:nvPr>
-            <p:ph type="title"/>
-          </p:nvPr>
-        </p:nvSpPr>
-        <p:spPr/>
-        <p:txBody>
-          <a:bodyPr/>
-          <a:p>
-            <a:r>
-              <a:rPr lang="en-US"/>
-              <a:t>Discussion</a:t>
-            </a:r>
-            <a:endParaRPr lang="en-US"/>
-          </a:p>
-        </p:txBody>
-      </p:sp>
     </p:spTree>
   </p:cSld>
   <p:clrMapOvr>
@@ -6281,10 +6393,8 @@
       </p:grpSpPr>
       <p:sp>
         <p:nvSpPr>
-          <p:cNvPr id="2" name="标题 1"/>
-          <p:cNvSpPr>
-            <a:spLocks noGrp="1"/>
-          </p:cNvSpPr>
+          <p:cNvPr id="3" name="Title 2"/>
+          <p:cNvSpPr/>
           <p:nvPr>
             <p:ph type="title"/>
           </p:nvPr>
@@ -6292,61 +6402,8 @@
         <p:spPr/>
         <p:txBody>
           <a:bodyPr/>
-          <a:lstStyle/>
-          <a:p>
-            <a:r>
-              <a:rPr kumimoji="1" lang="en-US" altLang="zh-CN">
-                <a:sym typeface="+mn-ea"/>
-              </a:rPr>
-              <a:t>VaR</a:t>
-            </a:r>
-            <a:endParaRPr kumimoji="1" lang="en-US" altLang="zh-CN">
-              <a:sym typeface="+mn-ea"/>
-            </a:endParaRPr>
-          </a:p>
-        </p:txBody>
-      </p:sp>
-      <p:sp>
-        <p:nvSpPr>
-          <p:cNvPr id="3" name="内容占位符 2"/>
-          <p:cNvSpPr>
-            <a:spLocks noGrp="1"/>
-          </p:cNvSpPr>
-          <p:nvPr>
-            <p:ph idx="1"/>
-          </p:nvPr>
-        </p:nvSpPr>
-        <p:spPr>
-          <a:xfrm>
-            <a:off x="1069848" y="2094103"/>
-            <a:ext cx="10058400" cy="4050792"/>
-          </a:xfrm>
-        </p:spPr>
-        <p:txBody>
-          <a:bodyPr/>
-          <a:lstStyle/>
-          <a:p>
-            <a:endParaRPr kumimoji="1" lang="zh-CN" altLang="en-US"/>
-          </a:p>
-          <a:p>
-            <a:r>
-              <a:rPr kumimoji="1" lang="zh-CN" altLang="en-US"/>
-              <a:t>At known moments, the future stock prices is only relevant to the present moment's price.</a:t>
-            </a:r>
-            <a:endParaRPr kumimoji="1" lang="zh-CN" altLang="en-US"/>
-          </a:p>
-          <a:p>
-            <a:endParaRPr kumimoji="1" lang="zh-CN" altLang="en-US"/>
-          </a:p>
-          <a:p>
-            <a:r>
-              <a:rPr kumimoji="1" lang="zh-CN" altLang="en-US"/>
-              <a:t>The mean of the stock price at time T in the future is normal distribution when applying the Classical Brownian Motion, but lognormally distributed when applying the Arithmetic and Geometric Brownian Motion. The price volatility at time T will accumulate over time at a speed of square root of T.</a:t>
-            </a:r>
-            <a:endParaRPr kumimoji="1" lang="zh-CN" altLang="en-US"/>
-          </a:p>
-          <a:p>
-            <a:endParaRPr kumimoji="1" lang="zh-CN" altLang="en-US"/>
+          <a:p>
+            <a:endParaRPr lang="en-US"/>
           </a:p>
         </p:txBody>
       </p:sp>
@@ -6366,8 +6423,32 @@
         </p:blipFill>
         <p:spPr>
           <a:xfrm>
-            <a:off x="0" y="1861820"/>
-            <a:ext cx="12192000" cy="3134360"/>
+            <a:off x="-83185" y="-22225"/>
+            <a:ext cx="9720580" cy="3058160"/>
+          </a:xfrm>
+          <a:prstGeom prst="rect">
+            <a:avLst/>
+          </a:prstGeom>
+        </p:spPr>
+      </p:pic>
+      <p:pic>
+        <p:nvPicPr>
+          <p:cNvPr id="6" name="Picture 5"/>
+          <p:cNvPicPr>
+            <a:picLocks noChangeAspect="1"/>
+          </p:cNvPicPr>
+          <p:nvPr/>
+        </p:nvPicPr>
+        <p:blipFill>
+          <a:blip r:embed="rId2"/>
+          <a:stretch>
+            <a:fillRect/>
+          </a:stretch>
+        </p:blipFill>
+        <p:spPr>
+          <a:xfrm>
+            <a:off x="167005" y="3502660"/>
+            <a:ext cx="9470390" cy="2962275"/>
           </a:xfrm>
           <a:prstGeom prst="rect">
             <a:avLst/>
@@ -6391,17 +6472,10 @@
         <p:cNvGrpSpPr/>
         <p:nvPr/>
       </p:nvGrpSpPr>
-      <p:grpSpPr>
-        <a:xfrm>
-          <a:off x="0" y="0"/>
-          <a:ext cx="0" cy="0"/>
-          <a:chOff x="0" y="0"/>
-          <a:chExt cx="0" cy="0"/>
-        </a:xfrm>
-      </p:grpSpPr>
-      <p:sp>
-        <p:nvSpPr>
-          <p:cNvPr id="2" name="标题 1"/>
+      <p:grpSpPr/>
+      <p:sp>
+        <p:nvSpPr>
+          <p:cNvPr id="2" name="Title 1"/>
           <p:cNvSpPr>
             <a:spLocks noGrp="1"/>
           </p:cNvSpPr>
@@ -6412,51 +6486,61 @@
         <p:spPr/>
         <p:txBody>
           <a:bodyPr/>
-          <a:lstStyle/>
-          <a:p>
-            <a:r>
-              <a:rPr kumimoji="1" lang="zh-CN" altLang="en-US">
-                <a:sym typeface="+mn-ea"/>
-              </a:rPr>
-              <a:t>Conclusion</a:t>
-            </a:r>
-            <a:endParaRPr kumimoji="1" lang="en-US" altLang="zh-CN">
-              <a:sym typeface="+mn-ea"/>
-            </a:endParaRPr>
-          </a:p>
-        </p:txBody>
-      </p:sp>
-      <p:sp>
-        <p:nvSpPr>
-          <p:cNvPr id="3" name="内容占位符 2"/>
-          <p:cNvSpPr>
-            <a:spLocks noGrp="1"/>
-          </p:cNvSpPr>
+          <a:p>
+            <a:endParaRPr lang="en-US"/>
+          </a:p>
+        </p:txBody>
+      </p:sp>
+      <p:pic>
+        <p:nvPicPr>
+          <p:cNvPr id="4" name="Content Placeholder 3"/>
+          <p:cNvPicPr>
+            <a:picLocks noChangeAspect="1"/>
+          </p:cNvPicPr>
           <p:nvPr>
             <p:ph idx="1"/>
           </p:nvPr>
-        </p:nvSpPr>
-        <p:spPr>
-          <a:xfrm>
-            <a:off x="1069848" y="2094103"/>
-            <a:ext cx="10058400" cy="4050792"/>
-          </a:xfrm>
-        </p:spPr>
-        <p:txBody>
-          <a:bodyPr/>
-          <a:lstStyle/>
-          <a:p>
-            <a:endParaRPr kumimoji="1" lang="zh-CN" altLang="en-US"/>
-          </a:p>
-          <a:p>
-            <a:r>
-              <a:rPr kumimoji="1" lang="zh-CN" altLang="en-US"/>
-              <a:t>From the comparison of histogram and VaR dataframe, The most unreliable method is to directly use historical data to predict future VaR. So using Monte Carlo simulation to simulate the VaR is a better method. We applied Normal, Exponentially Weighted Normal and T distribution to simulate the future return data. We can see that the return rate of the financial market has the fat-tail characteristic, which indicates drastic fluctuations sometimes happen. Therefore, when predicting risks, the normal distribution can better consider the tail risk.</a:t>
-            </a:r>
-            <a:endParaRPr kumimoji="1" lang="zh-CN" altLang="en-US"/>
-          </a:p>
-        </p:txBody>
-      </p:sp>
+        </p:nvPicPr>
+        <p:blipFill>
+          <a:blip r:embed="rId1"/>
+          <a:stretch>
+            <a:fillRect/>
+          </a:stretch>
+        </p:blipFill>
+        <p:spPr>
+          <a:xfrm>
+            <a:off x="-60325" y="-86995"/>
+            <a:ext cx="10058400" cy="3167380"/>
+          </a:xfrm>
+          <a:prstGeom prst="rect">
+            <a:avLst/>
+          </a:prstGeom>
+        </p:spPr>
+      </p:pic>
+      <p:pic>
+        <p:nvPicPr>
+          <p:cNvPr id="5" name="Picture 4"/>
+          <p:cNvPicPr>
+            <a:picLocks noChangeAspect="1"/>
+          </p:cNvPicPr>
+          <p:nvPr/>
+        </p:nvPicPr>
+        <p:blipFill>
+          <a:blip r:embed="rId2"/>
+          <a:stretch>
+            <a:fillRect/>
+          </a:stretch>
+        </p:blipFill>
+        <p:spPr>
+          <a:xfrm>
+            <a:off x="193675" y="3080385"/>
+            <a:ext cx="4419600" cy="3695700"/>
+          </a:xfrm>
+          <a:prstGeom prst="rect">
+            <a:avLst/>
+          </a:prstGeom>
+        </p:spPr>
+      </p:pic>
     </p:spTree>
   </p:cSld>
   <p:clrMapOvr>
